--- a/w2_functions/lesson/w2_functions.pptx
+++ b/w2_functions/lesson/w2_functions.pptx
@@ -7301,7 +7301,7 @@
           <a:p>
             <a:fld id="{2403709B-B32D-4C6B-971C-06A2CCA14AF8}" type="datetimeFigureOut">
               <a:rPr lang="en-GB" smtClean="0"/>
-              <a:t>29/09/2024</a:t>
+              <a:t>20/09/2025</a:t>
             </a:fld>
             <a:endParaRPr lang="en-GB"/>
           </a:p>
@@ -8361,7 +8361,7 @@
           <a:p>
             <a:fld id="{88E7DB4F-146F-41AD-8C0E-E76AB7BCFA94}" type="datetimeFigureOut">
               <a:rPr lang="en-GB" smtClean="0"/>
-              <a:t>29/09/2024</a:t>
+              <a:t>20/09/2025</a:t>
             </a:fld>
             <a:endParaRPr lang="en-GB"/>
           </a:p>
@@ -8531,7 +8531,7 @@
           <a:p>
             <a:fld id="{88E7DB4F-146F-41AD-8C0E-E76AB7BCFA94}" type="datetimeFigureOut">
               <a:rPr lang="en-GB" smtClean="0"/>
-              <a:t>29/09/2024</a:t>
+              <a:t>20/09/2025</a:t>
             </a:fld>
             <a:endParaRPr lang="en-GB"/>
           </a:p>
@@ -8711,7 +8711,7 @@
           <a:p>
             <a:fld id="{88E7DB4F-146F-41AD-8C0E-E76AB7BCFA94}" type="datetimeFigureOut">
               <a:rPr lang="en-GB" smtClean="0"/>
-              <a:t>29/09/2024</a:t>
+              <a:t>20/09/2025</a:t>
             </a:fld>
             <a:endParaRPr lang="en-GB"/>
           </a:p>
@@ -8903,7 +8903,7 @@
           <a:p>
             <a:fld id="{F99AA81C-2B60-42C3-A748-75EA2F3942BF}" type="datetime1">
               <a:rPr lang="en-GB" smtClean="0"/>
-              <a:t>29/09/2024</a:t>
+              <a:t>20/09/2025</a:t>
             </a:fld>
             <a:endParaRPr lang="en-GB"/>
           </a:p>
@@ -9073,7 +9073,7 @@
           <a:p>
             <a:fld id="{24CB1337-94D5-4918-B360-64FFE871DA51}" type="datetime1">
               <a:rPr lang="en-GB" smtClean="0"/>
-              <a:t>29/09/2024</a:t>
+              <a:t>20/09/2025</a:t>
             </a:fld>
             <a:endParaRPr lang="en-GB"/>
           </a:p>
@@ -9319,7 +9319,7 @@
           <a:p>
             <a:fld id="{372644AF-2164-4CF3-9A52-0793DCB20635}" type="datetime1">
               <a:rPr lang="en-GB" smtClean="0"/>
-              <a:t>29/09/2024</a:t>
+              <a:t>20/09/2025</a:t>
             </a:fld>
             <a:endParaRPr lang="en-GB"/>
           </a:p>
@@ -9551,7 +9551,7 @@
           <a:p>
             <a:fld id="{46395A6A-8405-498E-B628-AFCE81617177}" type="datetime1">
               <a:rPr lang="en-GB" smtClean="0"/>
-              <a:t>29/09/2024</a:t>
+              <a:t>20/09/2025</a:t>
             </a:fld>
             <a:endParaRPr lang="en-GB"/>
           </a:p>
@@ -9918,7 +9918,7 @@
           <a:p>
             <a:fld id="{E909B44D-3270-40B8-ACD2-12507109F736}" type="datetime1">
               <a:rPr lang="en-GB" smtClean="0"/>
-              <a:t>29/09/2024</a:t>
+              <a:t>20/09/2025</a:t>
             </a:fld>
             <a:endParaRPr lang="en-GB"/>
           </a:p>
@@ -10036,7 +10036,7 @@
           <a:p>
             <a:fld id="{5EA02067-C42E-4109-B65A-12D269CA97C5}" type="datetime1">
               <a:rPr lang="en-GB" smtClean="0"/>
-              <a:t>29/09/2024</a:t>
+              <a:t>20/09/2025</a:t>
             </a:fld>
             <a:endParaRPr lang="en-GB"/>
           </a:p>
@@ -10131,7 +10131,7 @@
           <a:p>
             <a:fld id="{94365B42-69A9-4109-8C35-ED4BC0890372}" type="datetime1">
               <a:rPr lang="en-GB" smtClean="0"/>
-              <a:t>29/09/2024</a:t>
+              <a:t>20/09/2025</a:t>
             </a:fld>
             <a:endParaRPr lang="en-GB"/>
           </a:p>
@@ -10408,7 +10408,7 @@
           <a:p>
             <a:fld id="{53D4B12E-8E86-41FF-A319-015531BB30C2}" type="datetime1">
               <a:rPr lang="en-GB" smtClean="0"/>
-              <a:t>29/09/2024</a:t>
+              <a:t>20/09/2025</a:t>
             </a:fld>
             <a:endParaRPr lang="en-GB"/>
           </a:p>
@@ -10578,7 +10578,7 @@
           <a:p>
             <a:fld id="{88E7DB4F-146F-41AD-8C0E-E76AB7BCFA94}" type="datetimeFigureOut">
               <a:rPr lang="en-GB" smtClean="0"/>
-              <a:t>29/09/2024</a:t>
+              <a:t>20/09/2025</a:t>
             </a:fld>
             <a:endParaRPr lang="en-GB"/>
           </a:p>
@@ -10835,7 +10835,7 @@
           <a:p>
             <a:fld id="{842C57B0-CF72-4766-AD5B-C54D18F943AA}" type="datetime1">
               <a:rPr lang="en-GB" smtClean="0"/>
-              <a:t>29/09/2024</a:t>
+              <a:t>20/09/2025</a:t>
             </a:fld>
             <a:endParaRPr lang="en-GB"/>
           </a:p>
@@ -11005,7 +11005,7 @@
           <a:p>
             <a:fld id="{16E8729C-0306-4878-A3D6-09398341D606}" type="datetime1">
               <a:rPr lang="en-GB" smtClean="0"/>
-              <a:t>29/09/2024</a:t>
+              <a:t>20/09/2025</a:t>
             </a:fld>
             <a:endParaRPr lang="en-GB"/>
           </a:p>
@@ -11185,7 +11185,7 @@
           <a:p>
             <a:fld id="{630A45D9-B9E8-4610-820A-4A59B1E4101F}" type="datetime1">
               <a:rPr lang="en-GB" smtClean="0"/>
-              <a:t>29/09/2024</a:t>
+              <a:t>20/09/2025</a:t>
             </a:fld>
             <a:endParaRPr lang="en-GB"/>
           </a:p>
@@ -11431,7 +11431,7 @@
           <a:p>
             <a:fld id="{88E7DB4F-146F-41AD-8C0E-E76AB7BCFA94}" type="datetimeFigureOut">
               <a:rPr lang="en-GB" smtClean="0"/>
-              <a:t>29/09/2024</a:t>
+              <a:t>20/09/2025</a:t>
             </a:fld>
             <a:endParaRPr lang="en-GB"/>
           </a:p>
@@ -11663,7 +11663,7 @@
           <a:p>
             <a:fld id="{88E7DB4F-146F-41AD-8C0E-E76AB7BCFA94}" type="datetimeFigureOut">
               <a:rPr lang="en-GB" smtClean="0"/>
-              <a:t>29/09/2024</a:t>
+              <a:t>20/09/2025</a:t>
             </a:fld>
             <a:endParaRPr lang="en-GB"/>
           </a:p>
@@ -12030,7 +12030,7 @@
           <a:p>
             <a:fld id="{88E7DB4F-146F-41AD-8C0E-E76AB7BCFA94}" type="datetimeFigureOut">
               <a:rPr lang="en-GB" smtClean="0"/>
-              <a:t>29/09/2024</a:t>
+              <a:t>20/09/2025</a:t>
             </a:fld>
             <a:endParaRPr lang="en-GB"/>
           </a:p>
@@ -12148,7 +12148,7 @@
           <a:p>
             <a:fld id="{88E7DB4F-146F-41AD-8C0E-E76AB7BCFA94}" type="datetimeFigureOut">
               <a:rPr lang="en-GB" smtClean="0"/>
-              <a:t>29/09/2024</a:t>
+              <a:t>20/09/2025</a:t>
             </a:fld>
             <a:endParaRPr lang="en-GB"/>
           </a:p>
@@ -12243,7 +12243,7 @@
           <a:p>
             <a:fld id="{88E7DB4F-146F-41AD-8C0E-E76AB7BCFA94}" type="datetimeFigureOut">
               <a:rPr lang="en-GB" smtClean="0"/>
-              <a:t>29/09/2024</a:t>
+              <a:t>20/09/2025</a:t>
             </a:fld>
             <a:endParaRPr lang="en-GB"/>
           </a:p>
@@ -12520,7 +12520,7 @@
           <a:p>
             <a:fld id="{88E7DB4F-146F-41AD-8C0E-E76AB7BCFA94}" type="datetimeFigureOut">
               <a:rPr lang="en-GB" smtClean="0"/>
-              <a:t>29/09/2024</a:t>
+              <a:t>20/09/2025</a:t>
             </a:fld>
             <a:endParaRPr lang="en-GB"/>
           </a:p>
@@ -12777,7 +12777,7 @@
           <a:p>
             <a:fld id="{88E7DB4F-146F-41AD-8C0E-E76AB7BCFA94}" type="datetimeFigureOut">
               <a:rPr lang="en-GB" smtClean="0"/>
-              <a:t>29/09/2024</a:t>
+              <a:t>20/09/2025</a:t>
             </a:fld>
             <a:endParaRPr lang="en-GB"/>
           </a:p>
@@ -12990,7 +12990,7 @@
           <a:p>
             <a:fld id="{88E7DB4F-146F-41AD-8C0E-E76AB7BCFA94}" type="datetimeFigureOut">
               <a:rPr lang="en-GB" smtClean="0"/>
-              <a:t>29/09/2024</a:t>
+              <a:t>20/09/2025</a:t>
             </a:fld>
             <a:endParaRPr lang="en-GB"/>
           </a:p>
@@ -13530,7 +13530,7 @@
           <a:p>
             <a:fld id="{0A82B6E7-1570-42A0-95C4-43A22D9DAFEC}" type="datetime1">
               <a:rPr lang="en-GB" smtClean="0"/>
-              <a:t>29/09/2024</a:t>
+              <a:t>20/09/2025</a:t>
             </a:fld>
             <a:endParaRPr lang="en-GB"/>
           </a:p>
@@ -13960,23 +13960,13 @@
         </p:spPr>
         <p:txBody>
           <a:bodyPr>
-            <a:normAutofit fontScale="90000"/>
+            <a:normAutofit/>
           </a:bodyPr>
           <a:lstStyle/>
           <a:p>
             <a:r>
               <a:rPr lang="en-GB" dirty="0"/>
-              <a:t>LIN6209 Coding for Linguists</a:t>
-            </a:r>
-            <a:br>
-              <a:rPr lang="en-GB" dirty="0"/>
-            </a:br>
-            <a:br>
-              <a:rPr lang="en-GB" dirty="0"/>
-            </a:br>
-            <a:r>
-              <a:rPr lang="en-GB" dirty="0"/>
-              <a:t>2 - Functions</a:t>
+              <a:t>Week 2 - Functions</a:t>
             </a:r>
           </a:p>
         </p:txBody>
@@ -14219,7 +14209,7 @@
               <a:rPr lang="en-GB" dirty="0">
                 <a:latin typeface="Lucida Console" panose="020B0609040504020204" pitchFamily="49" charset="0"/>
               </a:rPr>
-              <a:t>    # return </a:t>
+              <a:t>    return # </a:t>
             </a:r>
             <a:r>
               <a:rPr lang="en-GB" dirty="0" err="1">
@@ -18205,7 +18195,7 @@
             </a:r>
             <a:r>
               <a:rPr lang="en-GB" dirty="0" err="1"/>
-              <a:t>diffent</a:t>
+              <a:t>differnt</a:t>
             </a:r>
             <a:r>
               <a:rPr lang="en-GB" dirty="0"/>
@@ -21899,7 +21889,7 @@
           <a:p>
             <a:r>
               <a:rPr lang="en-GB" dirty="0"/>
-              <a:t>Assignment 1 - Guidance</a:t>
+              <a:t>Homework 1 - Guidance</a:t>
             </a:r>
           </a:p>
         </p:txBody>
@@ -21930,10 +21920,7 @@
           <a:bodyPr/>
           <a:lstStyle/>
           <a:p>
-            <a:r>
-              <a:rPr lang="en-GB" dirty="0"/>
-              <a:t>This assignment is assessed</a:t>
-            </a:r>
+            <a:endParaRPr lang="en-GB" dirty="0"/>
           </a:p>
           <a:p>
             <a:r>
@@ -26031,7 +26018,11 @@
           <a:p>
             <a:r>
               <a:rPr lang="en-GB" dirty="0"/>
-              <a:t>Panic alarm on</a:t>
+              <a:t>Panic alarm, turn </a:t>
+            </a:r>
+            <a:r>
+              <a:rPr lang="en-GB" b="1" dirty="0"/>
+              <a:t>ON</a:t>
             </a:r>
           </a:p>
           <a:p>
@@ -26045,13 +26036,17 @@
             <a:pPr lvl="1"/>
             <a:r>
               <a:rPr lang="en-GB" dirty="0"/>
-              <a:t>Output = very loud alarm sound</a:t>
+              <a:t>Output = continuous loud sound</a:t>
             </a:r>
           </a:p>
           <a:p>
             <a:r>
               <a:rPr lang="en-GB" dirty="0"/>
-              <a:t>Panic alarm off</a:t>
+              <a:t>Panic alarm, turn </a:t>
+            </a:r>
+            <a:r>
+              <a:rPr lang="en-GB" b="1" dirty="0"/>
+              <a:t>OFF</a:t>
             </a:r>
           </a:p>
           <a:p>
@@ -26148,14 +26143,14 @@
           <p:nvPr>
             <p:extLst>
               <p:ext uri="{D42A27DB-BD31-4B8C-83A1-F6EECF244321}">
-                <p14:modId xmlns:p14="http://schemas.microsoft.com/office/powerpoint/2010/main" val="56689024"/>
+                <p14:modId xmlns:p14="http://schemas.microsoft.com/office/powerpoint/2010/main" val="2401457327"/>
               </p:ext>
             </p:extLst>
           </p:nvPr>
         </p:nvGraphicFramePr>
         <p:xfrm>
-          <a:off x="1333333" y="1381670"/>
-          <a:ext cx="9623354" cy="4803816"/>
+          <a:off x="1221288" y="1381670"/>
+          <a:ext cx="9951927" cy="4803816"/>
         </p:xfrm>
         <a:graphic>
           <a:graphicData uri="http://schemas.openxmlformats.org/drawingml/2006/table">
@@ -26164,14 +26159,14 @@
                 <a:tableStyleId>{5C22544A-7EE6-4342-B048-85BDC9FD1C3A}</a:tableStyleId>
               </a:tblPr>
               <a:tblGrid>
-                <a:gridCol w="2224397">
+                <a:gridCol w="2300345">
                   <a:extLst>
                     <a:ext uri="{9D8B030D-6E8A-4147-A177-3AD203B41FA5}">
                       <a16:colId xmlns:a16="http://schemas.microsoft.com/office/drawing/2014/main" val="2544634331"/>
                     </a:ext>
                   </a:extLst>
                 </a:gridCol>
-                <a:gridCol w="7398957">
+                <a:gridCol w="7651582">
                   <a:extLst>
                     <a:ext uri="{9D8B030D-6E8A-4147-A177-3AD203B41FA5}">
                       <a16:colId xmlns:a16="http://schemas.microsoft.com/office/drawing/2014/main" val="1952987510"/>
@@ -26185,26 +26180,28 @@
                     <a:bodyPr/>
                     <a:lstStyle/>
                     <a:p>
+                      <a:pPr algn="l"/>
                       <a:r>
                         <a:rPr lang="en-GB" sz="3200" dirty="0"/>
                         <a:t>Name</a:t>
                       </a:r>
                     </a:p>
                   </a:txBody>
-                  <a:tcPr/>
+                  <a:tcPr anchor="ctr"/>
                 </a:tc>
                 <a:tc>
                   <a:txBody>
                     <a:bodyPr/>
                     <a:lstStyle/>
                     <a:p>
+                      <a:pPr algn="l"/>
                       <a:r>
                         <a:rPr lang="en-GB" sz="3200" dirty="0"/>
                         <a:t>A name</a:t>
                       </a:r>
                     </a:p>
                   </a:txBody>
-                  <a:tcPr/>
+                  <a:tcPr anchor="ctr"/>
                 </a:tc>
                 <a:extLst>
                   <a:ext uri="{0D108BD9-81ED-4DB2-BD59-A6C34878D82A}">
@@ -26218,26 +26215,28 @@
                     <a:bodyPr/>
                     <a:lstStyle/>
                     <a:p>
+                      <a:pPr algn="l"/>
                       <a:r>
                         <a:rPr lang="en-GB" sz="3200" dirty="0"/>
                         <a:t>Inputs</a:t>
                       </a:r>
                     </a:p>
                   </a:txBody>
-                  <a:tcPr/>
+                  <a:tcPr anchor="ctr"/>
                 </a:tc>
                 <a:tc>
                   <a:txBody>
                     <a:bodyPr/>
                     <a:lstStyle/>
                     <a:p>
+                      <a:pPr algn="l"/>
                       <a:r>
                         <a:rPr lang="en-GB" sz="3200" dirty="0"/>
                         <a:t>Zero or more values</a:t>
                       </a:r>
                     </a:p>
                   </a:txBody>
-                  <a:tcPr/>
+                  <a:tcPr anchor="ctr"/>
                 </a:tc>
                 <a:extLst>
                   <a:ext uri="{0D108BD9-81ED-4DB2-BD59-A6C34878D82A}">
@@ -26251,26 +26250,28 @@
                     <a:bodyPr/>
                     <a:lstStyle/>
                     <a:p>
+                      <a:pPr algn="l"/>
                       <a:r>
                         <a:rPr lang="en-GB" sz="3200" dirty="0"/>
                         <a:t>Contains</a:t>
                       </a:r>
                     </a:p>
                   </a:txBody>
-                  <a:tcPr/>
+                  <a:tcPr anchor="ctr"/>
                 </a:tc>
                 <a:tc>
                   <a:txBody>
                     <a:bodyPr/>
                     <a:lstStyle/>
                     <a:p>
+                      <a:pPr algn="l"/>
                       <a:r>
                         <a:rPr lang="en-GB" sz="3200" dirty="0"/>
-                        <a:t>Hidden internal code that processes the input values</a:t>
+                        <a:t>Hidden internal instructions and mechanisms that processes the input values</a:t>
                       </a:r>
                     </a:p>
                   </a:txBody>
-                  <a:tcPr/>
+                  <a:tcPr anchor="ctr"/>
                 </a:tc>
                 <a:extLst>
                   <a:ext uri="{0D108BD9-81ED-4DB2-BD59-A6C34878D82A}">
@@ -26284,26 +26285,28 @@
                     <a:bodyPr/>
                     <a:lstStyle/>
                     <a:p>
+                      <a:pPr algn="l"/>
                       <a:r>
                         <a:rPr lang="en-GB" sz="3200" dirty="0"/>
                         <a:t>Outputs</a:t>
                       </a:r>
                     </a:p>
                   </a:txBody>
-                  <a:tcPr/>
+                  <a:tcPr anchor="ctr"/>
                 </a:tc>
                 <a:tc>
                   <a:txBody>
                     <a:bodyPr/>
                     <a:lstStyle/>
                     <a:p>
+                      <a:pPr algn="l"/>
                       <a:r>
                         <a:rPr lang="en-GB" sz="3200" dirty="0"/>
                         <a:t>A result</a:t>
                       </a:r>
                     </a:p>
                   </a:txBody>
-                  <a:tcPr/>
+                  <a:tcPr anchor="ctr"/>
                 </a:tc>
                 <a:extLst>
                   <a:ext uri="{0D108BD9-81ED-4DB2-BD59-A6C34878D82A}">
@@ -26317,26 +26320,35 @@
                     <a:bodyPr/>
                     <a:lstStyle/>
                     <a:p>
+                      <a:pPr algn="l"/>
                       <a:r>
                         <a:rPr lang="en-GB" sz="3200" dirty="0"/>
                         <a:t>Guarantees</a:t>
                       </a:r>
                     </a:p>
                   </a:txBody>
-                  <a:tcPr/>
+                  <a:tcPr anchor="ctr"/>
                 </a:tc>
                 <a:tc>
                   <a:txBody>
                     <a:bodyPr/>
                     <a:lstStyle/>
                     <a:p>
+                      <a:pPr algn="l"/>
                       <a:r>
                         <a:rPr lang="en-GB" sz="3200" dirty="0"/>
-                        <a:t>Provided its preconditions are satisfied, it will perform a specific task and return a result</a:t>
+                        <a:t>Provided its preconditions are satisfied;</a:t>
+                      </a:r>
+                    </a:p>
+                    <a:p>
+                      <a:pPr algn="l"/>
+                      <a:r>
+                        <a:rPr lang="en-GB" sz="3200" dirty="0"/>
+                        <a:t>the function will perform a defined task and return the result of that task</a:t>
                       </a:r>
                     </a:p>
                   </a:txBody>
-                  <a:tcPr/>
+                  <a:tcPr anchor="ctr"/>
                 </a:tc>
                 <a:extLst>
                   <a:ext uri="{0D108BD9-81ED-4DB2-BD59-A6C34878D82A}">
